--- a/slides/02_Memory.pptx
+++ b/slides/02_Memory.pptx
@@ -105,6 +105,11 @@
       </a:defRPr>
     </a:lvl9pPr>
   </p:defaultTextStyle>
+  <p:extLst>
+    <p:ext uri="{EFAFB233-063F-42B5-8137-9DF3F51BA10A}">
+      <p15:sldGuideLst xmlns:p15="http://schemas.microsoft.com/office/powerpoint/2012/main"/>
+    </p:ext>
+  </p:extLst>
 </p:presentation>
 </file>
 
@@ -3373,6 +3378,12 @@
           <a:p>
             <a:r>
               <a:rPr lang="en-US" dirty="0"/>
+              <a:t>Fill out office hour survey</a:t>
+            </a:r>
+          </a:p>
+          <a:p>
+            <a:r>
+              <a:rPr lang="en-US" dirty="0"/>
               <a:t>GitHub demo</a:t>
             </a:r>
           </a:p>
@@ -3386,6 +3397,71 @@
             <a:r>
               <a:rPr lang="en-US" dirty="0"/>
               <a:t>Lecture: Memory in R</a:t>
+            </a:r>
+          </a:p>
+        </p:txBody>
+      </p:sp>
+      <p:pic>
+        <p:nvPicPr>
+          <p:cNvPr id="3" name="Picture 2">
+            <a:extLst>
+              <a:ext uri="{FF2B5EF4-FFF2-40B4-BE49-F238E27FC236}">
+                <a16:creationId xmlns:a16="http://schemas.microsoft.com/office/drawing/2014/main" id="{574E2518-E9AB-3D7E-3F0C-D113FFEE8EF4}"/>
+              </a:ext>
+            </a:extLst>
+          </p:cNvPr>
+          <p:cNvPicPr>
+            <a:picLocks noChangeAspect="1"/>
+          </p:cNvPicPr>
+          <p:nvPr/>
+        </p:nvPicPr>
+        <p:blipFill>
+          <a:blip r:embed="rId2"/>
+          <a:stretch>
+            <a:fillRect/>
+          </a:stretch>
+        </p:blipFill>
+        <p:spPr>
+          <a:xfrm>
+            <a:off x="6616700" y="527049"/>
+            <a:ext cx="4876800" cy="4841461"/>
+          </a:xfrm>
+          <a:prstGeom prst="rect">
+            <a:avLst/>
+          </a:prstGeom>
+        </p:spPr>
+      </p:pic>
+      <p:sp>
+        <p:nvSpPr>
+          <p:cNvPr id="4" name="TextBox 3">
+            <a:extLst>
+              <a:ext uri="{FF2B5EF4-FFF2-40B4-BE49-F238E27FC236}">
+                <a16:creationId xmlns:a16="http://schemas.microsoft.com/office/drawing/2014/main" id="{7CA62232-0070-72B1-F7CD-7F055912D1D9}"/>
+              </a:ext>
+            </a:extLst>
+          </p:cNvPr>
+          <p:cNvSpPr txBox="1"/>
+          <p:nvPr/>
+        </p:nvSpPr>
+        <p:spPr>
+          <a:xfrm>
+            <a:off x="6616700" y="5345768"/>
+            <a:ext cx="2425408" cy="369332"/>
+          </a:xfrm>
+          <a:prstGeom prst="rect">
+            <a:avLst/>
+          </a:prstGeom>
+          <a:noFill/>
+        </p:spPr>
+        <p:txBody>
+          <a:bodyPr wrap="none" rtlCol="0">
+            <a:spAutoFit/>
+          </a:bodyPr>
+          <a:lstStyle/>
+          <a:p>
+            <a:r>
+              <a:rPr lang="en-US" dirty="0"/>
+              <a:t>Office hour when2meet</a:t>
             </a:r>
           </a:p>
         </p:txBody>
@@ -3404,7 +3480,7 @@
 </file>
 
 <file path=ppt/slides/slide2.xml><?xml version="1.0" encoding="utf-8"?>
-<p:sld xmlns:a="http://schemas.openxmlformats.org/drawingml/2006/main" xmlns:r="http://schemas.openxmlformats.org/officeDocument/2006/relationships" xmlns:p="http://schemas.openxmlformats.org/presentationml/2006/main">
+<p:sld xmlns:a="http://schemas.openxmlformats.org/drawingml/2006/main" xmlns:r="http://schemas.openxmlformats.org/officeDocument/2006/relationships" xmlns:p="http://schemas.openxmlformats.org/presentationml/2006/main" show="0">
   <p:cSld>
     <p:spTree>
       <p:nvGrpSpPr>
